--- a/자바 회원가입 자리예매ppt.pptx
+++ b/자바 회원가입 자리예매ppt.pptx
@@ -12,7 +12,11 @@
     <p:sldId id="269" r:id="rId6"/>
     <p:sldId id="262" r:id="rId7"/>
     <p:sldId id="270" r:id="rId8"/>
-    <p:sldId id="267" r:id="rId9"/>
+    <p:sldId id="271" r:id="rId9"/>
+    <p:sldId id="272" r:id="rId10"/>
+    <p:sldId id="273" r:id="rId11"/>
+    <p:sldId id="274" r:id="rId12"/>
+    <p:sldId id="267" r:id="rId13"/>
   </p:sldIdLst>
   <p:sldSz cx="12192000" cy="6858000"/>
   <p:notesSz cx="6858000" cy="9144000"/>
@@ -289,7 +293,7 @@
             <a:fld id="{87DE6118-2437-4B30-8E3C-4D2BE6020583}" type="datetimeFigureOut">
               <a:rPr lang="en-US" dirty="0"/>
               <a:pPr/>
-              <a:t>8/9/2024</a:t>
+              <a:t>8/14/2024</a:t>
             </a:fld>
             <a:endParaRPr lang="en-US" dirty="0"/>
           </a:p>
@@ -615,7 +619,7 @@
           <a:p>
             <a:fld id="{87DE6118-2437-4B30-8E3C-4D2BE6020583}" type="datetimeFigureOut">
               <a:rPr lang="en-US" dirty="0"/>
-              <a:t>8/9/2024</a:t>
+              <a:t>8/14/2024</a:t>
             </a:fld>
             <a:endParaRPr lang="en-US" dirty="0"/>
           </a:p>
@@ -790,7 +794,7 @@
           <a:p>
             <a:fld id="{87DE6118-2437-4B30-8E3C-4D2BE6020583}" type="datetimeFigureOut">
               <a:rPr lang="en-US" dirty="0"/>
-              <a:t>8/9/2024</a:t>
+              <a:t>8/14/2024</a:t>
             </a:fld>
             <a:endParaRPr lang="en-US" dirty="0"/>
           </a:p>
@@ -955,7 +959,7 @@
           <a:p>
             <a:fld id="{87DE6118-2437-4B30-8E3C-4D2BE6020583}" type="datetimeFigureOut">
               <a:rPr lang="en-US" dirty="0"/>
-              <a:t>8/9/2024</a:t>
+              <a:t>8/14/2024</a:t>
             </a:fld>
             <a:endParaRPr lang="en-US" dirty="0"/>
           </a:p>
@@ -1228,7 +1232,7 @@
             <a:fld id="{87DE6118-2437-4B30-8E3C-4D2BE6020583}" type="datetimeFigureOut">
               <a:rPr lang="en-US" dirty="0"/>
               <a:pPr/>
-              <a:t>8/9/2024</a:t>
+              <a:t>8/14/2024</a:t>
             </a:fld>
             <a:endParaRPr lang="en-US" dirty="0"/>
           </a:p>
@@ -1618,7 +1622,7 @@
           <a:p>
             <a:fld id="{87DE6118-2437-4B30-8E3C-4D2BE6020583}" type="datetimeFigureOut">
               <a:rPr lang="en-US" dirty="0"/>
-              <a:t>8/9/2024</a:t>
+              <a:t>8/14/2024</a:t>
             </a:fld>
             <a:endParaRPr lang="en-US" dirty="0"/>
           </a:p>
@@ -2090,7 +2094,7 @@
           <a:p>
             <a:fld id="{87DE6118-2437-4B30-8E3C-4D2BE6020583}" type="datetimeFigureOut">
               <a:rPr lang="en-US" dirty="0"/>
-              <a:t>8/9/2024</a:t>
+              <a:t>8/14/2024</a:t>
             </a:fld>
             <a:endParaRPr lang="en-US" dirty="0"/>
           </a:p>
@@ -2203,7 +2207,7 @@
           <a:p>
             <a:fld id="{87DE6118-2437-4B30-8E3C-4D2BE6020583}" type="datetimeFigureOut">
               <a:rPr lang="en-US" dirty="0"/>
-              <a:t>8/9/2024</a:t>
+              <a:t>8/14/2024</a:t>
             </a:fld>
             <a:endParaRPr lang="en-US" dirty="0"/>
           </a:p>
@@ -2293,7 +2297,7 @@
           <a:p>
             <a:fld id="{87DE6118-2437-4B30-8E3C-4D2BE6020583}" type="datetimeFigureOut">
               <a:rPr lang="en-US" dirty="0"/>
-              <a:t>8/9/2024</a:t>
+              <a:t>8/14/2024</a:t>
             </a:fld>
             <a:endParaRPr lang="en-US" dirty="0"/>
           </a:p>
@@ -2635,7 +2639,7 @@
             <a:fld id="{87DE6118-2437-4B30-8E3C-4D2BE6020583}" type="datetimeFigureOut">
               <a:rPr lang="en-US" dirty="0"/>
               <a:pPr/>
-              <a:t>8/9/2024</a:t>
+              <a:t>8/14/2024</a:t>
             </a:fld>
             <a:endParaRPr lang="en-US" dirty="0"/>
           </a:p>
@@ -3020,7 +3024,7 @@
             <a:fld id="{87DE6118-2437-4B30-8E3C-4D2BE6020583}" type="datetimeFigureOut">
               <a:rPr lang="en-US" dirty="0"/>
               <a:pPr/>
-              <a:t>8/9/2024</a:t>
+              <a:t>8/14/2024</a:t>
             </a:fld>
             <a:endParaRPr lang="en-US" dirty="0"/>
           </a:p>
@@ -3295,7 +3299,7 @@
             <a:fld id="{87DE6118-2437-4B30-8E3C-4D2BE6020583}" type="datetimeFigureOut">
               <a:rPr lang="en-US" dirty="0"/>
               <a:pPr/>
-              <a:t>8/9/2024</a:t>
+              <a:t>8/14/2024</a:t>
             </a:fld>
             <a:endParaRPr lang="en-US" dirty="0"/>
           </a:p>
@@ -3845,6 +3849,563 @@
 </p:sld>
 </file>
 
+<file path=ppt/slides/slide10.xml><?xml version="1.0" encoding="utf-8"?>
+<p:sld xmlns:a="http://schemas.openxmlformats.org/drawingml/2006/main" xmlns:r="http://schemas.openxmlformats.org/officeDocument/2006/relationships" xmlns:p="http://schemas.openxmlformats.org/presentationml/2006/main">
+  <p:cSld>
+    <p:spTree>
+      <p:nvGrpSpPr>
+        <p:cNvPr id="1" name=""/>
+        <p:cNvGrpSpPr/>
+        <p:nvPr/>
+      </p:nvGrpSpPr>
+      <p:grpSpPr>
+        <a:xfrm>
+          <a:off x="0" y="0"/>
+          <a:ext cx="0" cy="0"/>
+          <a:chOff x="0" y="0"/>
+          <a:chExt cx="0" cy="0"/>
+        </a:xfrm>
+      </p:grpSpPr>
+      <p:sp>
+        <p:nvSpPr>
+          <p:cNvPr id="3" name="내용 개체 틀 2">
+            <a:extLst>
+              <a:ext uri="{FF2B5EF4-FFF2-40B4-BE49-F238E27FC236}">
+                <a16:creationId xmlns:a16="http://schemas.microsoft.com/office/drawing/2014/main" id="{0DC5B392-3EF8-42C1-973D-D93A59869BAB}"/>
+              </a:ext>
+            </a:extLst>
+          </p:cNvPr>
+          <p:cNvSpPr>
+            <a:spLocks noGrp="1"/>
+          </p:cNvSpPr>
+          <p:nvPr>
+            <p:ph idx="1"/>
+          </p:nvPr>
+        </p:nvSpPr>
+        <p:spPr/>
+        <p:txBody>
+          <a:bodyPr/>
+          <a:lstStyle/>
+          <a:p>
+            <a:r>
+              <a:rPr lang="ko-KR" altLang="en-US" dirty="0"/>
+              <a:t>관리자 페이지</a:t>
+            </a:r>
+            <a:r>
+              <a:rPr lang="en-US" altLang="ko-KR" dirty="0"/>
+              <a:t>- </a:t>
+            </a:r>
+            <a:r>
+              <a:rPr lang="ko-KR" altLang="en-US" dirty="0"/>
+              <a:t>회원 수정 삭제</a:t>
+            </a:r>
+            <a:r>
+              <a:rPr lang="en-US" altLang="ko-KR" dirty="0"/>
+              <a:t>.</a:t>
+            </a:r>
+          </a:p>
+          <a:p>
+            <a:r>
+              <a:rPr lang="ko-KR" altLang="en-US" dirty="0"/>
+              <a:t>수정하려는 회원을 선택 후 수정 버튼 클릭 시 팝업 창 패스워드</a:t>
+            </a:r>
+            <a:r>
+              <a:rPr lang="en-US" altLang="ko-KR" dirty="0"/>
+              <a:t>,</a:t>
+            </a:r>
+            <a:r>
+              <a:rPr lang="ko-KR" altLang="en-US" dirty="0"/>
+              <a:t>이름</a:t>
+            </a:r>
+            <a:r>
+              <a:rPr lang="en-US" altLang="ko-KR" dirty="0"/>
+              <a:t>,</a:t>
+            </a:r>
+            <a:r>
+              <a:rPr lang="ko-KR" altLang="en-US" dirty="0"/>
+              <a:t>전화번호 수정 할 수 있으며 입력 후 컨트롤러를 이용해 </a:t>
+            </a:r>
+            <a:r>
+              <a:rPr lang="en-US" altLang="ko-KR" dirty="0"/>
+              <a:t>DB</a:t>
+            </a:r>
+            <a:r>
+              <a:rPr lang="ko-KR" altLang="en-US" dirty="0"/>
+              <a:t>에 업데이트합니다</a:t>
+            </a:r>
+            <a:r>
+              <a:rPr lang="en-US" altLang="ko-KR" dirty="0"/>
+              <a:t>.</a:t>
+            </a:r>
+          </a:p>
+          <a:p>
+            <a:r>
+              <a:rPr lang="ko-KR" altLang="en-US" dirty="0"/>
+              <a:t>삭제하려는 회원을 선택 후 삭제 버튼 클릭 시 팝업창이 나오며 확인을 누를 시 컨트롤러를 이용해 </a:t>
+            </a:r>
+            <a:r>
+              <a:rPr lang="en-US" altLang="ko-KR" dirty="0"/>
+              <a:t>DB</a:t>
+            </a:r>
+            <a:r>
+              <a:rPr lang="ko-KR" altLang="en-US" dirty="0"/>
+              <a:t>에서 삭제합니다</a:t>
+            </a:r>
+            <a:r>
+              <a:rPr lang="en-US" altLang="ko-KR" dirty="0"/>
+              <a:t>.</a:t>
+            </a:r>
+            <a:endParaRPr lang="ko-KR" altLang="en-US" dirty="0"/>
+          </a:p>
+        </p:txBody>
+      </p:sp>
+      <p:pic>
+        <p:nvPicPr>
+          <p:cNvPr id="6" name="그림 5">
+            <a:extLst>
+              <a:ext uri="{FF2B5EF4-FFF2-40B4-BE49-F238E27FC236}">
+                <a16:creationId xmlns:a16="http://schemas.microsoft.com/office/drawing/2014/main" id="{4759B751-D862-48A6-8141-E58C5798D9BB}"/>
+              </a:ext>
+            </a:extLst>
+          </p:cNvPr>
+          <p:cNvPicPr>
+            <a:picLocks noChangeAspect="1"/>
+          </p:cNvPicPr>
+          <p:nvPr/>
+        </p:nvPicPr>
+        <p:blipFill>
+          <a:blip r:embed="rId2"/>
+          <a:stretch>
+            <a:fillRect/>
+          </a:stretch>
+        </p:blipFill>
+        <p:spPr>
+          <a:xfrm>
+            <a:off x="0" y="0"/>
+            <a:ext cx="2791215" cy="1609950"/>
+          </a:xfrm>
+          <a:prstGeom prst="rect">
+            <a:avLst/>
+          </a:prstGeom>
+        </p:spPr>
+      </p:pic>
+      <p:pic>
+        <p:nvPicPr>
+          <p:cNvPr id="8" name="그림 7">
+            <a:extLst>
+              <a:ext uri="{FF2B5EF4-FFF2-40B4-BE49-F238E27FC236}">
+                <a16:creationId xmlns:a16="http://schemas.microsoft.com/office/drawing/2014/main" id="{9FF2228D-06F8-4456-BCB4-ACB184C9B420}"/>
+              </a:ext>
+            </a:extLst>
+          </p:cNvPr>
+          <p:cNvPicPr>
+            <a:picLocks noChangeAspect="1"/>
+          </p:cNvPicPr>
+          <p:nvPr/>
+        </p:nvPicPr>
+        <p:blipFill>
+          <a:blip r:embed="rId3"/>
+          <a:stretch>
+            <a:fillRect/>
+          </a:stretch>
+        </p:blipFill>
+        <p:spPr>
+          <a:xfrm>
+            <a:off x="0" y="1609950"/>
+            <a:ext cx="5460274" cy="1609950"/>
+          </a:xfrm>
+          <a:prstGeom prst="rect">
+            <a:avLst/>
+          </a:prstGeom>
+        </p:spPr>
+      </p:pic>
+      <p:pic>
+        <p:nvPicPr>
+          <p:cNvPr id="10" name="그림 9">
+            <a:extLst>
+              <a:ext uri="{FF2B5EF4-FFF2-40B4-BE49-F238E27FC236}">
+                <a16:creationId xmlns:a16="http://schemas.microsoft.com/office/drawing/2014/main" id="{BC6507BB-3219-4E80-B4B0-F616437EBCD2}"/>
+              </a:ext>
+            </a:extLst>
+          </p:cNvPr>
+          <p:cNvPicPr>
+            <a:picLocks noChangeAspect="1"/>
+          </p:cNvPicPr>
+          <p:nvPr/>
+        </p:nvPicPr>
+        <p:blipFill>
+          <a:blip r:embed="rId4"/>
+          <a:stretch>
+            <a:fillRect/>
+          </a:stretch>
+        </p:blipFill>
+        <p:spPr>
+          <a:xfrm>
+            <a:off x="0" y="3429000"/>
+            <a:ext cx="5460274" cy="1439156"/>
+          </a:xfrm>
+          <a:prstGeom prst="rect">
+            <a:avLst/>
+          </a:prstGeom>
+        </p:spPr>
+      </p:pic>
+      <p:pic>
+        <p:nvPicPr>
+          <p:cNvPr id="12" name="그림 11">
+            <a:extLst>
+              <a:ext uri="{FF2B5EF4-FFF2-40B4-BE49-F238E27FC236}">
+                <a16:creationId xmlns:a16="http://schemas.microsoft.com/office/drawing/2014/main" id="{D80BB94A-707C-40BD-8E17-6B8629B62B9A}"/>
+              </a:ext>
+            </a:extLst>
+          </p:cNvPr>
+          <p:cNvPicPr>
+            <a:picLocks noChangeAspect="1"/>
+          </p:cNvPicPr>
+          <p:nvPr/>
+        </p:nvPicPr>
+        <p:blipFill>
+          <a:blip r:embed="rId5"/>
+          <a:stretch>
+            <a:fillRect/>
+          </a:stretch>
+        </p:blipFill>
+        <p:spPr>
+          <a:xfrm>
+            <a:off x="0" y="6223917"/>
+            <a:ext cx="4801546" cy="588269"/>
+          </a:xfrm>
+          <a:prstGeom prst="rect">
+            <a:avLst/>
+          </a:prstGeom>
+        </p:spPr>
+      </p:pic>
+      <p:pic>
+        <p:nvPicPr>
+          <p:cNvPr id="14" name="그림 13">
+            <a:extLst>
+              <a:ext uri="{FF2B5EF4-FFF2-40B4-BE49-F238E27FC236}">
+                <a16:creationId xmlns:a16="http://schemas.microsoft.com/office/drawing/2014/main" id="{70D77A6D-7B4C-49D7-963A-DEF7779E8EC2}"/>
+              </a:ext>
+            </a:extLst>
+          </p:cNvPr>
+          <p:cNvPicPr>
+            <a:picLocks noChangeAspect="1"/>
+          </p:cNvPicPr>
+          <p:nvPr/>
+        </p:nvPicPr>
+        <p:blipFill>
+          <a:blip r:embed="rId6"/>
+          <a:stretch>
+            <a:fillRect/>
+          </a:stretch>
+        </p:blipFill>
+        <p:spPr>
+          <a:xfrm>
+            <a:off x="1" y="5077256"/>
+            <a:ext cx="5460274" cy="934007"/>
+          </a:xfrm>
+          <a:prstGeom prst="rect">
+            <a:avLst/>
+          </a:prstGeom>
+        </p:spPr>
+      </p:pic>
+    </p:spTree>
+    <p:extLst>
+      <p:ext uri="{BB962C8B-B14F-4D97-AF65-F5344CB8AC3E}">
+        <p14:creationId xmlns:p14="http://schemas.microsoft.com/office/powerpoint/2010/main" val="1465898477"/>
+      </p:ext>
+    </p:extLst>
+  </p:cSld>
+  <p:clrMapOvr>
+    <a:masterClrMapping/>
+  </p:clrMapOvr>
+</p:sld>
+</file>
+
+<file path=ppt/slides/slide11.xml><?xml version="1.0" encoding="utf-8"?>
+<p:sld xmlns:a="http://schemas.openxmlformats.org/drawingml/2006/main" xmlns:r="http://schemas.openxmlformats.org/officeDocument/2006/relationships" xmlns:p="http://schemas.openxmlformats.org/presentationml/2006/main">
+  <p:cSld>
+    <p:spTree>
+      <p:nvGrpSpPr>
+        <p:cNvPr id="1" name=""/>
+        <p:cNvGrpSpPr/>
+        <p:nvPr/>
+      </p:nvGrpSpPr>
+      <p:grpSpPr>
+        <a:xfrm>
+          <a:off x="0" y="0"/>
+          <a:ext cx="0" cy="0"/>
+          <a:chOff x="0" y="0"/>
+          <a:chExt cx="0" cy="0"/>
+        </a:xfrm>
+      </p:grpSpPr>
+      <p:sp>
+        <p:nvSpPr>
+          <p:cNvPr id="3" name="내용 개체 틀 2">
+            <a:extLst>
+              <a:ext uri="{FF2B5EF4-FFF2-40B4-BE49-F238E27FC236}">
+                <a16:creationId xmlns:a16="http://schemas.microsoft.com/office/drawing/2014/main" id="{7B9F2930-96F4-4525-B814-CCE296826AB4}"/>
+              </a:ext>
+            </a:extLst>
+          </p:cNvPr>
+          <p:cNvSpPr>
+            <a:spLocks noGrp="1"/>
+          </p:cNvSpPr>
+          <p:nvPr>
+            <p:ph idx="1"/>
+          </p:nvPr>
+        </p:nvSpPr>
+        <p:spPr/>
+        <p:txBody>
+          <a:bodyPr/>
+          <a:lstStyle/>
+          <a:p>
+            <a:r>
+              <a:rPr lang="ko-KR" altLang="en-US" dirty="0"/>
+              <a:t>관리자 페이지 예약관리 </a:t>
+            </a:r>
+            <a:r>
+              <a:rPr lang="en-US" altLang="ko-KR" dirty="0"/>
+              <a:t>GUI</a:t>
+            </a:r>
+          </a:p>
+          <a:p>
+            <a:r>
+              <a:rPr lang="ko-KR" altLang="en-US" dirty="0"/>
+              <a:t>회원로그인과 똑같이 컨트롤러를 이용해서 </a:t>
+            </a:r>
+            <a:r>
+              <a:rPr lang="en-US" altLang="ko-KR" dirty="0"/>
+              <a:t>DB</a:t>
+            </a:r>
+            <a:r>
+              <a:rPr lang="ko-KR" altLang="en-US" dirty="0"/>
+              <a:t>에서 예약된 좌석의 데이터를 가져와서 </a:t>
+            </a:r>
+            <a:r>
+              <a:rPr lang="en-US" altLang="ko-KR" dirty="0"/>
+              <a:t>GUI</a:t>
+            </a:r>
+            <a:r>
+              <a:rPr lang="ko-KR" altLang="en-US" dirty="0"/>
+              <a:t>에 반영합니다</a:t>
+            </a:r>
+            <a:r>
+              <a:rPr lang="en-US" altLang="ko-KR" dirty="0"/>
+              <a:t>.</a:t>
+            </a:r>
+          </a:p>
+          <a:p>
+            <a:r>
+              <a:rPr lang="ko-KR" altLang="en-US" dirty="0"/>
+              <a:t>회원 로그인과 다르게 관리자 페이지는 예약한 좌석도 선택 가능하며 다른 회원의 좌석 퇴실 처리가 가능합니다</a:t>
+            </a:r>
+            <a:r>
+              <a:rPr lang="en-US" altLang="ko-KR" dirty="0"/>
+              <a:t>.</a:t>
+            </a:r>
+          </a:p>
+          <a:p>
+            <a:endParaRPr lang="en-US" altLang="ko-KR" dirty="0"/>
+          </a:p>
+        </p:txBody>
+      </p:sp>
+      <p:pic>
+        <p:nvPicPr>
+          <p:cNvPr id="6" name="그림 5">
+            <a:extLst>
+              <a:ext uri="{FF2B5EF4-FFF2-40B4-BE49-F238E27FC236}">
+                <a16:creationId xmlns:a16="http://schemas.microsoft.com/office/drawing/2014/main" id="{1DC28A70-8DEB-4717-B521-6D4096234AB6}"/>
+              </a:ext>
+            </a:extLst>
+          </p:cNvPr>
+          <p:cNvPicPr>
+            <a:picLocks noChangeAspect="1"/>
+          </p:cNvPicPr>
+          <p:nvPr/>
+        </p:nvPicPr>
+        <p:blipFill>
+          <a:blip r:embed="rId2"/>
+          <a:stretch>
+            <a:fillRect/>
+          </a:stretch>
+        </p:blipFill>
+        <p:spPr>
+          <a:xfrm>
+            <a:off x="0" y="0"/>
+            <a:ext cx="2402053" cy="2402053"/>
+          </a:xfrm>
+          <a:prstGeom prst="rect">
+            <a:avLst/>
+          </a:prstGeom>
+        </p:spPr>
+      </p:pic>
+      <p:pic>
+        <p:nvPicPr>
+          <p:cNvPr id="8" name="그림 7">
+            <a:extLst>
+              <a:ext uri="{FF2B5EF4-FFF2-40B4-BE49-F238E27FC236}">
+                <a16:creationId xmlns:a16="http://schemas.microsoft.com/office/drawing/2014/main" id="{566C9C6F-AAA4-4C0A-8BAC-BDCE0088CFE8}"/>
+              </a:ext>
+            </a:extLst>
+          </p:cNvPr>
+          <p:cNvPicPr>
+            <a:picLocks noChangeAspect="1"/>
+          </p:cNvPicPr>
+          <p:nvPr/>
+        </p:nvPicPr>
+        <p:blipFill>
+          <a:blip r:embed="rId3"/>
+          <a:stretch>
+            <a:fillRect/>
+          </a:stretch>
+        </p:blipFill>
+        <p:spPr>
+          <a:xfrm>
+            <a:off x="0" y="2488142"/>
+            <a:ext cx="5305223" cy="1495634"/>
+          </a:xfrm>
+          <a:prstGeom prst="rect">
+            <a:avLst/>
+          </a:prstGeom>
+        </p:spPr>
+      </p:pic>
+      <p:pic>
+        <p:nvPicPr>
+          <p:cNvPr id="10" name="그림 9">
+            <a:extLst>
+              <a:ext uri="{FF2B5EF4-FFF2-40B4-BE49-F238E27FC236}">
+                <a16:creationId xmlns:a16="http://schemas.microsoft.com/office/drawing/2014/main" id="{6BD47153-BB9A-46B5-98FE-77F8FC95E193}"/>
+              </a:ext>
+            </a:extLst>
+          </p:cNvPr>
+          <p:cNvPicPr>
+            <a:picLocks noChangeAspect="1"/>
+          </p:cNvPicPr>
+          <p:nvPr/>
+        </p:nvPicPr>
+        <p:blipFill>
+          <a:blip r:embed="rId4"/>
+          <a:stretch>
+            <a:fillRect/>
+          </a:stretch>
+        </p:blipFill>
+        <p:spPr>
+          <a:xfrm>
+            <a:off x="1" y="4241142"/>
+            <a:ext cx="2605622" cy="962159"/>
+          </a:xfrm>
+          <a:prstGeom prst="rect">
+            <a:avLst/>
+          </a:prstGeom>
+        </p:spPr>
+      </p:pic>
+      <p:pic>
+        <p:nvPicPr>
+          <p:cNvPr id="14" name="그림 13">
+            <a:extLst>
+              <a:ext uri="{FF2B5EF4-FFF2-40B4-BE49-F238E27FC236}">
+                <a16:creationId xmlns:a16="http://schemas.microsoft.com/office/drawing/2014/main" id="{27C2F744-1AE8-4B16-891E-0BDA92DC7405}"/>
+              </a:ext>
+            </a:extLst>
+          </p:cNvPr>
+          <p:cNvPicPr>
+            <a:picLocks noChangeAspect="1"/>
+          </p:cNvPicPr>
+          <p:nvPr/>
+        </p:nvPicPr>
+        <p:blipFill>
+          <a:blip r:embed="rId5"/>
+          <a:stretch>
+            <a:fillRect/>
+          </a:stretch>
+        </p:blipFill>
+        <p:spPr>
+          <a:xfrm>
+            <a:off x="0" y="5695788"/>
+            <a:ext cx="5134692" cy="1162212"/>
+          </a:xfrm>
+          <a:prstGeom prst="rect">
+            <a:avLst/>
+          </a:prstGeom>
+        </p:spPr>
+      </p:pic>
+    </p:spTree>
+    <p:extLst>
+      <p:ext uri="{BB962C8B-B14F-4D97-AF65-F5344CB8AC3E}">
+        <p14:creationId xmlns:p14="http://schemas.microsoft.com/office/powerpoint/2010/main" val="573773851"/>
+      </p:ext>
+    </p:extLst>
+  </p:cSld>
+  <p:clrMapOvr>
+    <a:masterClrMapping/>
+  </p:clrMapOvr>
+</p:sld>
+</file>
+
+<file path=ppt/slides/slide12.xml><?xml version="1.0" encoding="utf-8"?>
+<p:sld xmlns:a="http://schemas.openxmlformats.org/drawingml/2006/main" xmlns:r="http://schemas.openxmlformats.org/officeDocument/2006/relationships" xmlns:p="http://schemas.openxmlformats.org/presentationml/2006/main">
+  <p:cSld>
+    <p:spTree>
+      <p:nvGrpSpPr>
+        <p:cNvPr id="1" name=""/>
+        <p:cNvGrpSpPr/>
+        <p:nvPr/>
+      </p:nvGrpSpPr>
+      <p:grpSpPr>
+        <a:xfrm>
+          <a:off x="0" y="0"/>
+          <a:ext cx="0" cy="0"/>
+          <a:chOff x="0" y="0"/>
+          <a:chExt cx="0" cy="0"/>
+        </a:xfrm>
+      </p:grpSpPr>
+      <p:sp>
+        <p:nvSpPr>
+          <p:cNvPr id="2" name="제목 1">
+            <a:extLst>
+              <a:ext uri="{FF2B5EF4-FFF2-40B4-BE49-F238E27FC236}">
+                <a16:creationId xmlns:a16="http://schemas.microsoft.com/office/drawing/2014/main" id="{38893B67-7DD6-4E0B-8EAA-60C6B63DE508}"/>
+              </a:ext>
+            </a:extLst>
+          </p:cNvPr>
+          <p:cNvSpPr>
+            <a:spLocks noGrp="1"/>
+          </p:cNvSpPr>
+          <p:nvPr>
+            <p:ph type="ctrTitle"/>
+          </p:nvPr>
+        </p:nvSpPr>
+        <p:spPr/>
+        <p:txBody>
+          <a:bodyPr/>
+          <a:lstStyle/>
+          <a:p>
+            <a:r>
+              <a:rPr lang="ko-KR" altLang="en-US" dirty="0"/>
+              <a:t>감사합니다</a:t>
+            </a:r>
+            <a:r>
+              <a:rPr lang="en-US" altLang="ko-KR" dirty="0"/>
+              <a:t>.</a:t>
+            </a:r>
+            <a:endParaRPr lang="ko-KR" altLang="en-US" dirty="0"/>
+          </a:p>
+        </p:txBody>
+      </p:sp>
+    </p:spTree>
+    <p:extLst>
+      <p:ext uri="{BB962C8B-B14F-4D97-AF65-F5344CB8AC3E}">
+        <p14:creationId xmlns:p14="http://schemas.microsoft.com/office/powerpoint/2010/main" val="2887946348"/>
+      </p:ext>
+    </p:extLst>
+  </p:cSld>
+  <p:clrMapOvr>
+    <a:masterClrMapping/>
+  </p:clrMapOvr>
+</p:sld>
+</file>
+
 <file path=ppt/slides/slide2.xml><?xml version="1.0" encoding="utf-8"?>
 <p:sld xmlns:a="http://schemas.openxmlformats.org/drawingml/2006/main" xmlns:r="http://schemas.openxmlformats.org/officeDocument/2006/relationships" xmlns:p="http://schemas.openxmlformats.org/presentationml/2006/main">
   <p:cSld>
@@ -5908,10 +6469,10 @@
       </p:grpSpPr>
       <p:sp>
         <p:nvSpPr>
-          <p:cNvPr id="2" name="제목 1">
+          <p:cNvPr id="3" name="내용 개체 틀 2">
             <a:extLst>
               <a:ext uri="{FF2B5EF4-FFF2-40B4-BE49-F238E27FC236}">
-                <a16:creationId xmlns:a16="http://schemas.microsoft.com/office/drawing/2014/main" id="{38893B67-7DD6-4E0B-8EAA-60C6B63DE508}"/>
+                <a16:creationId xmlns:a16="http://schemas.microsoft.com/office/drawing/2014/main" id="{2861A50B-B1EC-4644-BF35-E347E44C3D59}"/>
               </a:ext>
             </a:extLst>
           </p:cNvPr>
@@ -5919,7 +6480,7 @@
             <a:spLocks noGrp="1"/>
           </p:cNvSpPr>
           <p:nvPr>
-            <p:ph type="ctrTitle"/>
+            <p:ph idx="1"/>
           </p:nvPr>
         </p:nvSpPr>
         <p:spPr/>
@@ -5929,20 +6490,469 @@
           <a:p>
             <a:r>
               <a:rPr lang="ko-KR" altLang="en-US" dirty="0"/>
-              <a:t>감사합니다</a:t>
+              <a:t>관리자페이지</a:t>
+            </a:r>
+            <a:r>
+              <a:rPr lang="en-US" altLang="ko-KR" dirty="0"/>
+              <a:t>/</a:t>
+            </a:r>
+            <a:r>
+              <a:rPr lang="ko-KR" altLang="en-US" dirty="0"/>
+              <a:t> 회원</a:t>
+            </a:r>
+            <a:r>
+              <a:rPr lang="en-US" altLang="ko-KR" dirty="0"/>
+              <a:t>, </a:t>
+            </a:r>
+            <a:r>
+              <a:rPr lang="ko-KR" altLang="en-US" dirty="0"/>
+              <a:t>예약 관리 </a:t>
+            </a:r>
+            <a:r>
+              <a:rPr lang="en-US" altLang="ko-KR" dirty="0"/>
+              <a:t>GUI</a:t>
+            </a:r>
+          </a:p>
+          <a:p>
+            <a:r>
+              <a:rPr lang="en-US" altLang="ko-KR" dirty="0"/>
+              <a:t>admin/admin </a:t>
+            </a:r>
+            <a:r>
+              <a:rPr lang="ko-KR" altLang="en-US" dirty="0"/>
+              <a:t>로그인 시 관리자 </a:t>
+            </a:r>
+            <a:r>
+              <a:rPr lang="en-US" altLang="ko-KR" dirty="0"/>
+              <a:t>GUI </a:t>
+            </a:r>
+            <a:r>
+              <a:rPr lang="ko-KR" altLang="en-US" dirty="0"/>
+              <a:t>이동</a:t>
+            </a:r>
+            <a:endParaRPr lang="en-US" altLang="ko-KR" dirty="0"/>
+          </a:p>
+          <a:p>
+            <a:r>
+              <a:rPr lang="ko-KR" altLang="en-US" dirty="0"/>
+              <a:t>회원관리 버튼 클릭 시 회원의 정보 확인과 수정</a:t>
+            </a:r>
+            <a:r>
+              <a:rPr lang="en-US" altLang="ko-KR" dirty="0"/>
+              <a:t>, </a:t>
+            </a:r>
+            <a:r>
+              <a:rPr lang="ko-KR" altLang="en-US" dirty="0"/>
+              <a:t>삭제 가능한 </a:t>
+            </a:r>
+            <a:r>
+              <a:rPr lang="en-US" altLang="ko-KR" dirty="0"/>
+              <a:t>GUI </a:t>
+            </a:r>
+            <a:r>
+              <a:rPr lang="ko-KR" altLang="en-US" dirty="0"/>
+              <a:t>로 이동합니다</a:t>
             </a:r>
             <a:r>
               <a:rPr lang="en-US" altLang="ko-KR" dirty="0"/>
               <a:t>.</a:t>
             </a:r>
-            <a:endParaRPr lang="ko-KR" altLang="en-US" dirty="0"/>
-          </a:p>
-        </p:txBody>
-      </p:sp>
+          </a:p>
+          <a:p>
+            <a:r>
+              <a:rPr lang="ko-KR" altLang="en-US" dirty="0"/>
+              <a:t>예약관리 버튼 클릭 시 자리 예약의 정보</a:t>
+            </a:r>
+            <a:r>
+              <a:rPr lang="en-US" altLang="ko-KR" dirty="0"/>
+              <a:t>,</a:t>
+            </a:r>
+            <a:r>
+              <a:rPr lang="ko-KR" altLang="en-US" dirty="0"/>
+              <a:t>퇴실</a:t>
+            </a:r>
+            <a:r>
+              <a:rPr lang="en-US" altLang="ko-KR" dirty="0"/>
+              <a:t>, </a:t>
+            </a:r>
+            <a:r>
+              <a:rPr lang="ko-KR" altLang="en-US" dirty="0"/>
+              <a:t>입실 가능한 </a:t>
+            </a:r>
+            <a:r>
+              <a:rPr lang="en-US" altLang="ko-KR" dirty="0"/>
+              <a:t>GUI</a:t>
+            </a:r>
+            <a:r>
+              <a:rPr lang="ko-KR" altLang="en-US" dirty="0"/>
+              <a:t>로 이동합니다</a:t>
+            </a:r>
+            <a:r>
+              <a:rPr lang="en-US" altLang="ko-KR" dirty="0"/>
+              <a:t>.</a:t>
+            </a:r>
+          </a:p>
+        </p:txBody>
+      </p:sp>
+      <p:pic>
+        <p:nvPicPr>
+          <p:cNvPr id="8" name="그림 7">
+            <a:extLst>
+              <a:ext uri="{FF2B5EF4-FFF2-40B4-BE49-F238E27FC236}">
+                <a16:creationId xmlns:a16="http://schemas.microsoft.com/office/drawing/2014/main" id="{70AE00FD-34A0-4521-B0E6-A674C9642513}"/>
+              </a:ext>
+            </a:extLst>
+          </p:cNvPr>
+          <p:cNvPicPr>
+            <a:picLocks noChangeAspect="1"/>
+          </p:cNvPicPr>
+          <p:nvPr/>
+        </p:nvPicPr>
+        <p:blipFill>
+          <a:blip r:embed="rId2"/>
+          <a:stretch>
+            <a:fillRect/>
+          </a:stretch>
+        </p:blipFill>
+        <p:spPr>
+          <a:xfrm>
+            <a:off x="0" y="0"/>
+            <a:ext cx="2938989" cy="2609024"/>
+          </a:xfrm>
+          <a:prstGeom prst="rect">
+            <a:avLst/>
+          </a:prstGeom>
+        </p:spPr>
+      </p:pic>
+      <p:pic>
+        <p:nvPicPr>
+          <p:cNvPr id="10" name="그림 9">
+            <a:extLst>
+              <a:ext uri="{FF2B5EF4-FFF2-40B4-BE49-F238E27FC236}">
+                <a16:creationId xmlns:a16="http://schemas.microsoft.com/office/drawing/2014/main" id="{5EB394D3-0A56-42D6-9AB0-9FA1C0E91EED}"/>
+              </a:ext>
+            </a:extLst>
+          </p:cNvPr>
+          <p:cNvPicPr>
+            <a:picLocks noChangeAspect="1"/>
+          </p:cNvPicPr>
+          <p:nvPr/>
+        </p:nvPicPr>
+        <p:blipFill>
+          <a:blip r:embed="rId3"/>
+          <a:stretch>
+            <a:fillRect/>
+          </a:stretch>
+        </p:blipFill>
+        <p:spPr>
+          <a:xfrm>
+            <a:off x="0" y="2658978"/>
+            <a:ext cx="5381897" cy="1228896"/>
+          </a:xfrm>
+          <a:prstGeom prst="rect">
+            <a:avLst/>
+          </a:prstGeom>
+        </p:spPr>
+      </p:pic>
+      <p:pic>
+        <p:nvPicPr>
+          <p:cNvPr id="12" name="그림 11">
+            <a:extLst>
+              <a:ext uri="{FF2B5EF4-FFF2-40B4-BE49-F238E27FC236}">
+                <a16:creationId xmlns:a16="http://schemas.microsoft.com/office/drawing/2014/main" id="{8C36B21F-8B09-4CDA-9A55-C65A895CD3BE}"/>
+              </a:ext>
+            </a:extLst>
+          </p:cNvPr>
+          <p:cNvPicPr>
+            <a:picLocks noChangeAspect="1"/>
+          </p:cNvPicPr>
+          <p:nvPr/>
+        </p:nvPicPr>
+        <p:blipFill>
+          <a:blip r:embed="rId4"/>
+          <a:stretch>
+            <a:fillRect/>
+          </a:stretch>
+        </p:blipFill>
+        <p:spPr>
+          <a:xfrm>
+            <a:off x="2938989" y="0"/>
+            <a:ext cx="2620345" cy="2086266"/>
+          </a:xfrm>
+          <a:prstGeom prst="rect">
+            <a:avLst/>
+          </a:prstGeom>
+        </p:spPr>
+      </p:pic>
+      <p:pic>
+        <p:nvPicPr>
+          <p:cNvPr id="14" name="그림 13">
+            <a:extLst>
+              <a:ext uri="{FF2B5EF4-FFF2-40B4-BE49-F238E27FC236}">
+                <a16:creationId xmlns:a16="http://schemas.microsoft.com/office/drawing/2014/main" id="{F5ECA5E7-4909-4476-A861-2FF9DBB454F7}"/>
+              </a:ext>
+            </a:extLst>
+          </p:cNvPr>
+          <p:cNvPicPr>
+            <a:picLocks noChangeAspect="1"/>
+          </p:cNvPicPr>
+          <p:nvPr/>
+        </p:nvPicPr>
+        <p:blipFill>
+          <a:blip r:embed="rId5"/>
+          <a:stretch>
+            <a:fillRect/>
+          </a:stretch>
+        </p:blipFill>
+        <p:spPr>
+          <a:xfrm>
+            <a:off x="0" y="4064397"/>
+            <a:ext cx="3414403" cy="2793603"/>
+          </a:xfrm>
+          <a:prstGeom prst="rect">
+            <a:avLst/>
+          </a:prstGeom>
+        </p:spPr>
+      </p:pic>
     </p:spTree>
     <p:extLst>
       <p:ext uri="{BB962C8B-B14F-4D97-AF65-F5344CB8AC3E}">
-        <p14:creationId xmlns:p14="http://schemas.microsoft.com/office/powerpoint/2010/main" val="2887946348"/>
+        <p14:creationId xmlns:p14="http://schemas.microsoft.com/office/powerpoint/2010/main" val="1380450637"/>
+      </p:ext>
+    </p:extLst>
+  </p:cSld>
+  <p:clrMapOvr>
+    <a:masterClrMapping/>
+  </p:clrMapOvr>
+</p:sld>
+</file>
+
+<file path=ppt/slides/slide9.xml><?xml version="1.0" encoding="utf-8"?>
+<p:sld xmlns:a="http://schemas.openxmlformats.org/drawingml/2006/main" xmlns:r="http://schemas.openxmlformats.org/officeDocument/2006/relationships" xmlns:p="http://schemas.openxmlformats.org/presentationml/2006/main">
+  <p:cSld>
+    <p:spTree>
+      <p:nvGrpSpPr>
+        <p:cNvPr id="1" name=""/>
+        <p:cNvGrpSpPr/>
+        <p:nvPr/>
+      </p:nvGrpSpPr>
+      <p:grpSpPr>
+        <a:xfrm>
+          <a:off x="0" y="0"/>
+          <a:ext cx="0" cy="0"/>
+          <a:chOff x="0" y="0"/>
+          <a:chExt cx="0" cy="0"/>
+        </a:xfrm>
+      </p:grpSpPr>
+      <p:sp>
+        <p:nvSpPr>
+          <p:cNvPr id="3" name="내용 개체 틀 2">
+            <a:extLst>
+              <a:ext uri="{FF2B5EF4-FFF2-40B4-BE49-F238E27FC236}">
+                <a16:creationId xmlns:a16="http://schemas.microsoft.com/office/drawing/2014/main" id="{559959F6-0405-49E8-9413-E32D56A7E1B5}"/>
+              </a:ext>
+            </a:extLst>
+          </p:cNvPr>
+          <p:cNvSpPr>
+            <a:spLocks noGrp="1"/>
+          </p:cNvSpPr>
+          <p:nvPr>
+            <p:ph idx="1"/>
+          </p:nvPr>
+        </p:nvSpPr>
+        <p:spPr>
+          <a:xfrm>
+            <a:off x="5599180" y="453439"/>
+            <a:ext cx="5212080" cy="5175250"/>
+          </a:xfrm>
+        </p:spPr>
+        <p:txBody>
+          <a:bodyPr/>
+          <a:lstStyle/>
+          <a:p>
+            <a:r>
+              <a:rPr lang="ko-KR" altLang="en-US" dirty="0"/>
+              <a:t>관리자 페이지 </a:t>
+            </a:r>
+            <a:r>
+              <a:rPr lang="en-US" altLang="ko-KR" dirty="0"/>
+              <a:t>– </a:t>
+            </a:r>
+            <a:r>
+              <a:rPr lang="ko-KR" altLang="en-US" dirty="0"/>
+              <a:t>회원관리</a:t>
+            </a:r>
+            <a:endParaRPr lang="en-US" altLang="ko-KR" dirty="0"/>
+          </a:p>
+          <a:p>
+            <a:r>
+              <a:rPr lang="ko-KR" altLang="en-US" dirty="0"/>
+              <a:t>컨트롤러를 이용해 모든 정보를 가져옵니다</a:t>
+            </a:r>
+            <a:r>
+              <a:rPr lang="en-US" altLang="ko-KR" dirty="0"/>
+              <a:t>.</a:t>
+            </a:r>
+          </a:p>
+          <a:p>
+            <a:r>
+              <a:rPr lang="ko-KR" altLang="en-US" dirty="0"/>
+              <a:t>테이블을 칼럼 이름으로 만들어서 칼럼별로 정리를 하게 노출 합니다</a:t>
+            </a:r>
+            <a:r>
+              <a:rPr lang="en-US" altLang="ko-KR" dirty="0"/>
+              <a:t>.</a:t>
+            </a:r>
+          </a:p>
+          <a:p>
+            <a:r>
+              <a:rPr lang="ko-KR" altLang="en-US" dirty="0"/>
+              <a:t>컨트롤러를 이용해 가져온 모든 정보를 </a:t>
+            </a:r>
+            <a:r>
+              <a:rPr lang="en-US" altLang="ko-KR" dirty="0" err="1"/>
+              <a:t>ArrayList</a:t>
+            </a:r>
+            <a:r>
+              <a:rPr lang="en-US" altLang="ko-KR" dirty="0"/>
+              <a:t> </a:t>
+            </a:r>
+            <a:r>
+              <a:rPr lang="ko-KR" altLang="en-US" dirty="0"/>
+              <a:t>와 반복문을 이용해 테이블아래에 생성합니다</a:t>
+            </a:r>
+            <a:r>
+              <a:rPr lang="en-US" altLang="ko-KR" dirty="0"/>
+              <a:t>.</a:t>
+            </a:r>
+            <a:endParaRPr lang="ko-KR" altLang="en-US" dirty="0"/>
+          </a:p>
+        </p:txBody>
+      </p:sp>
+      <p:pic>
+        <p:nvPicPr>
+          <p:cNvPr id="6" name="그림 5">
+            <a:extLst>
+              <a:ext uri="{FF2B5EF4-FFF2-40B4-BE49-F238E27FC236}">
+                <a16:creationId xmlns:a16="http://schemas.microsoft.com/office/drawing/2014/main" id="{1E67108F-0E05-4F39-9FA6-31BE7EA83454}"/>
+              </a:ext>
+            </a:extLst>
+          </p:cNvPr>
+          <p:cNvPicPr>
+            <a:picLocks noChangeAspect="1"/>
+          </p:cNvPicPr>
+          <p:nvPr/>
+        </p:nvPicPr>
+        <p:blipFill>
+          <a:blip r:embed="rId2"/>
+          <a:stretch>
+            <a:fillRect/>
+          </a:stretch>
+        </p:blipFill>
+        <p:spPr>
+          <a:xfrm>
+            <a:off x="0" y="9388"/>
+            <a:ext cx="4624251" cy="1962424"/>
+          </a:xfrm>
+          <a:prstGeom prst="rect">
+            <a:avLst/>
+          </a:prstGeom>
+        </p:spPr>
+      </p:pic>
+      <p:pic>
+        <p:nvPicPr>
+          <p:cNvPr id="8" name="그림 7">
+            <a:extLst>
+              <a:ext uri="{FF2B5EF4-FFF2-40B4-BE49-F238E27FC236}">
+                <a16:creationId xmlns:a16="http://schemas.microsoft.com/office/drawing/2014/main" id="{5FA4DF49-6F0A-4760-B3B4-7046866BBC44}"/>
+              </a:ext>
+            </a:extLst>
+          </p:cNvPr>
+          <p:cNvPicPr>
+            <a:picLocks noChangeAspect="1"/>
+          </p:cNvPicPr>
+          <p:nvPr/>
+        </p:nvPicPr>
+        <p:blipFill>
+          <a:blip r:embed="rId3"/>
+          <a:stretch>
+            <a:fillRect/>
+          </a:stretch>
+        </p:blipFill>
+        <p:spPr>
+          <a:xfrm>
+            <a:off x="0" y="1983597"/>
+            <a:ext cx="3566160" cy="2355263"/>
+          </a:xfrm>
+          <a:prstGeom prst="rect">
+            <a:avLst/>
+          </a:prstGeom>
+        </p:spPr>
+      </p:pic>
+      <p:pic>
+        <p:nvPicPr>
+          <p:cNvPr id="10" name="그림 9">
+            <a:extLst>
+              <a:ext uri="{FF2B5EF4-FFF2-40B4-BE49-F238E27FC236}">
+                <a16:creationId xmlns:a16="http://schemas.microsoft.com/office/drawing/2014/main" id="{F78D1CB7-3C92-4120-AB9E-0CA86090D6C3}"/>
+              </a:ext>
+            </a:extLst>
+          </p:cNvPr>
+          <p:cNvPicPr>
+            <a:picLocks noChangeAspect="1"/>
+          </p:cNvPicPr>
+          <p:nvPr/>
+        </p:nvPicPr>
+        <p:blipFill>
+          <a:blip r:embed="rId4"/>
+          <a:stretch>
+            <a:fillRect/>
+          </a:stretch>
+        </p:blipFill>
+        <p:spPr>
+          <a:xfrm>
+            <a:off x="36453" y="4350645"/>
+            <a:ext cx="5332381" cy="641155"/>
+          </a:xfrm>
+          <a:prstGeom prst="rect">
+            <a:avLst/>
+          </a:prstGeom>
+        </p:spPr>
+      </p:pic>
+      <p:pic>
+        <p:nvPicPr>
+          <p:cNvPr id="12" name="그림 11">
+            <a:extLst>
+              <a:ext uri="{FF2B5EF4-FFF2-40B4-BE49-F238E27FC236}">
+                <a16:creationId xmlns:a16="http://schemas.microsoft.com/office/drawing/2014/main" id="{6B913152-A6C9-454D-8A49-2573D60D60EE}"/>
+              </a:ext>
+            </a:extLst>
+          </p:cNvPr>
+          <p:cNvPicPr>
+            <a:picLocks noChangeAspect="1"/>
+          </p:cNvPicPr>
+          <p:nvPr/>
+        </p:nvPicPr>
+        <p:blipFill>
+          <a:blip r:embed="rId5"/>
+          <a:stretch>
+            <a:fillRect/>
+          </a:stretch>
+        </p:blipFill>
+        <p:spPr>
+          <a:xfrm>
+            <a:off x="0" y="5192965"/>
+            <a:ext cx="5425871" cy="871447"/>
+          </a:xfrm>
+          <a:prstGeom prst="rect">
+            <a:avLst/>
+          </a:prstGeom>
+        </p:spPr>
+      </p:pic>
+    </p:spTree>
+    <p:extLst>
+      <p:ext uri="{BB962C8B-B14F-4D97-AF65-F5344CB8AC3E}">
+        <p14:creationId xmlns:p14="http://schemas.microsoft.com/office/powerpoint/2010/main" val="3062028540"/>
       </p:ext>
     </p:extLst>
   </p:cSld>
